--- a/ppts/文件系统.pptx
+++ b/ppts/文件系统.pptx
@@ -266,7 +266,7 @@
           <a:p>
             <a:fld id="{3D71AFD6-832F-764F-A8C5-443411455556}" type="datetimeFigureOut">
               <a:rPr kumimoji="1" lang="zh-CN" altLang="en-US" smtClean="0"/>
-              <a:t>2019/10/2</a:t>
+              <a:t>2019/10/23</a:t>
             </a:fld>
             <a:endParaRPr kumimoji="1" lang="zh-CN" altLang="en-US"/>
           </a:p>
@@ -464,7 +464,7 @@
           <a:p>
             <a:fld id="{3D71AFD6-832F-764F-A8C5-443411455556}" type="datetimeFigureOut">
               <a:rPr kumimoji="1" lang="zh-CN" altLang="en-US" smtClean="0"/>
-              <a:t>2019/10/2</a:t>
+              <a:t>2019/10/23</a:t>
             </a:fld>
             <a:endParaRPr kumimoji="1" lang="zh-CN" altLang="en-US"/>
           </a:p>
@@ -672,7 +672,7 @@
           <a:p>
             <a:fld id="{3D71AFD6-832F-764F-A8C5-443411455556}" type="datetimeFigureOut">
               <a:rPr kumimoji="1" lang="zh-CN" altLang="en-US" smtClean="0"/>
-              <a:t>2019/10/2</a:t>
+              <a:t>2019/10/23</a:t>
             </a:fld>
             <a:endParaRPr kumimoji="1" lang="zh-CN" altLang="en-US"/>
           </a:p>
@@ -870,7 +870,7 @@
           <a:p>
             <a:fld id="{3D71AFD6-832F-764F-A8C5-443411455556}" type="datetimeFigureOut">
               <a:rPr kumimoji="1" lang="zh-CN" altLang="en-US" smtClean="0"/>
-              <a:t>2019/10/2</a:t>
+              <a:t>2019/10/23</a:t>
             </a:fld>
             <a:endParaRPr kumimoji="1" lang="zh-CN" altLang="en-US"/>
           </a:p>
@@ -1145,7 +1145,7 @@
           <a:p>
             <a:fld id="{3D71AFD6-832F-764F-A8C5-443411455556}" type="datetimeFigureOut">
               <a:rPr kumimoji="1" lang="zh-CN" altLang="en-US" smtClean="0"/>
-              <a:t>2019/10/2</a:t>
+              <a:t>2019/10/23</a:t>
             </a:fld>
             <a:endParaRPr kumimoji="1" lang="zh-CN" altLang="en-US"/>
           </a:p>
@@ -1410,7 +1410,7 @@
           <a:p>
             <a:fld id="{3D71AFD6-832F-764F-A8C5-443411455556}" type="datetimeFigureOut">
               <a:rPr kumimoji="1" lang="zh-CN" altLang="en-US" smtClean="0"/>
-              <a:t>2019/10/2</a:t>
+              <a:t>2019/10/23</a:t>
             </a:fld>
             <a:endParaRPr kumimoji="1" lang="zh-CN" altLang="en-US"/>
           </a:p>
@@ -1822,7 +1822,7 @@
           <a:p>
             <a:fld id="{3D71AFD6-832F-764F-A8C5-443411455556}" type="datetimeFigureOut">
               <a:rPr kumimoji="1" lang="zh-CN" altLang="en-US" smtClean="0"/>
-              <a:t>2019/10/2</a:t>
+              <a:t>2019/10/23</a:t>
             </a:fld>
             <a:endParaRPr kumimoji="1" lang="zh-CN" altLang="en-US"/>
           </a:p>
@@ -1963,7 +1963,7 @@
           <a:p>
             <a:fld id="{3D71AFD6-832F-764F-A8C5-443411455556}" type="datetimeFigureOut">
               <a:rPr kumimoji="1" lang="zh-CN" altLang="en-US" smtClean="0"/>
-              <a:t>2019/10/2</a:t>
+              <a:t>2019/10/23</a:t>
             </a:fld>
             <a:endParaRPr kumimoji="1" lang="zh-CN" altLang="en-US"/>
           </a:p>
@@ -2076,7 +2076,7 @@
           <a:p>
             <a:fld id="{3D71AFD6-832F-764F-A8C5-443411455556}" type="datetimeFigureOut">
               <a:rPr kumimoji="1" lang="zh-CN" altLang="en-US" smtClean="0"/>
-              <a:t>2019/10/2</a:t>
+              <a:t>2019/10/23</a:t>
             </a:fld>
             <a:endParaRPr kumimoji="1" lang="zh-CN" altLang="en-US"/>
           </a:p>
@@ -2387,7 +2387,7 @@
           <a:p>
             <a:fld id="{3D71AFD6-832F-764F-A8C5-443411455556}" type="datetimeFigureOut">
               <a:rPr kumimoji="1" lang="zh-CN" altLang="en-US" smtClean="0"/>
-              <a:t>2019/10/2</a:t>
+              <a:t>2019/10/23</a:t>
             </a:fld>
             <a:endParaRPr kumimoji="1" lang="zh-CN" altLang="en-US"/>
           </a:p>
@@ -2675,7 +2675,7 @@
           <a:p>
             <a:fld id="{3D71AFD6-832F-764F-A8C5-443411455556}" type="datetimeFigureOut">
               <a:rPr kumimoji="1" lang="zh-CN" altLang="en-US" smtClean="0"/>
-              <a:t>2019/10/2</a:t>
+              <a:t>2019/10/23</a:t>
             </a:fld>
             <a:endParaRPr kumimoji="1" lang="zh-CN" altLang="en-US"/>
           </a:p>
@@ -2916,7 +2916,7 @@
           <a:p>
             <a:fld id="{3D71AFD6-832F-764F-A8C5-443411455556}" type="datetimeFigureOut">
               <a:rPr kumimoji="1" lang="zh-CN" altLang="en-US" smtClean="0"/>
-              <a:t>2019/10/2</a:t>
+              <a:t>2019/10/23</a:t>
             </a:fld>
             <a:endParaRPr kumimoji="1" lang="zh-CN" altLang="en-US"/>
           </a:p>
@@ -13429,8 +13429,8 @@
         </p:nvCxnSpPr>
         <p:spPr>
           <a:xfrm rot="10800000" flipV="1">
-            <a:off x="1152620" y="1477820"/>
-            <a:ext cx="1154912" cy="1080284"/>
+            <a:off x="1445518" y="1477820"/>
+            <a:ext cx="862014" cy="1080284"/>
           </a:xfrm>
           <a:prstGeom prst="curvedConnector2">
             <a:avLst/>
@@ -13685,7 +13685,7 @@
         </p:nvGrpSpPr>
         <p:grpSpPr>
           <a:xfrm>
-            <a:off x="849304" y="2558104"/>
+            <a:off x="1142202" y="2558104"/>
             <a:ext cx="485305" cy="2150179"/>
             <a:chOff x="3667125" y="666750"/>
             <a:chExt cx="971550" cy="1738822"/>
@@ -15769,7 +15769,7 @@
                     <a:schemeClr val="tx1"/>
                   </a:solidFill>
                 </a:rPr>
-                <a:t>fs*</a:t>
+                <a:t>fs=NULL</a:t>
               </a:r>
             </a:p>
           </p:txBody>
@@ -16105,7 +16105,7 @@
                     <a:schemeClr val="tx1"/>
                   </a:solidFill>
                 </a:rPr>
-                <a:t>fs*</a:t>
+                <a:t>fs=NULL</a:t>
               </a:r>
             </a:p>
           </p:txBody>

--- a/ppts/文件系统.pptx
+++ b/ppts/文件系统.pptx
@@ -13,6 +13,8 @@
     <p:sldId id="270" r:id="rId7"/>
     <p:sldId id="271" r:id="rId8"/>
     <p:sldId id="272" r:id="rId9"/>
+    <p:sldId id="273" r:id="rId10"/>
+    <p:sldId id="274" r:id="rId11"/>
   </p:sldIdLst>
   <p:sldSz cx="12192000" cy="6858000"/>
   <p:notesSz cx="6858000" cy="9144000"/>
@@ -266,7 +268,7 @@
           <a:p>
             <a:fld id="{3D71AFD6-832F-764F-A8C5-443411455556}" type="datetimeFigureOut">
               <a:rPr kumimoji="1" lang="zh-CN" altLang="en-US" smtClean="0"/>
-              <a:t>2019/10/23</a:t>
+              <a:t>2019/10/31</a:t>
             </a:fld>
             <a:endParaRPr kumimoji="1" lang="zh-CN" altLang="en-US"/>
           </a:p>
@@ -464,7 +466,7 @@
           <a:p>
             <a:fld id="{3D71AFD6-832F-764F-A8C5-443411455556}" type="datetimeFigureOut">
               <a:rPr kumimoji="1" lang="zh-CN" altLang="en-US" smtClean="0"/>
-              <a:t>2019/10/23</a:t>
+              <a:t>2019/10/31</a:t>
             </a:fld>
             <a:endParaRPr kumimoji="1" lang="zh-CN" altLang="en-US"/>
           </a:p>
@@ -672,7 +674,7 @@
           <a:p>
             <a:fld id="{3D71AFD6-832F-764F-A8C5-443411455556}" type="datetimeFigureOut">
               <a:rPr kumimoji="1" lang="zh-CN" altLang="en-US" smtClean="0"/>
-              <a:t>2019/10/23</a:t>
+              <a:t>2019/10/31</a:t>
             </a:fld>
             <a:endParaRPr kumimoji="1" lang="zh-CN" altLang="en-US"/>
           </a:p>
@@ -870,7 +872,7 @@
           <a:p>
             <a:fld id="{3D71AFD6-832F-764F-A8C5-443411455556}" type="datetimeFigureOut">
               <a:rPr kumimoji="1" lang="zh-CN" altLang="en-US" smtClean="0"/>
-              <a:t>2019/10/23</a:t>
+              <a:t>2019/10/31</a:t>
             </a:fld>
             <a:endParaRPr kumimoji="1" lang="zh-CN" altLang="en-US"/>
           </a:p>
@@ -1145,7 +1147,7 @@
           <a:p>
             <a:fld id="{3D71AFD6-832F-764F-A8C5-443411455556}" type="datetimeFigureOut">
               <a:rPr kumimoji="1" lang="zh-CN" altLang="en-US" smtClean="0"/>
-              <a:t>2019/10/23</a:t>
+              <a:t>2019/10/31</a:t>
             </a:fld>
             <a:endParaRPr kumimoji="1" lang="zh-CN" altLang="en-US"/>
           </a:p>
@@ -1410,7 +1412,7 @@
           <a:p>
             <a:fld id="{3D71AFD6-832F-764F-A8C5-443411455556}" type="datetimeFigureOut">
               <a:rPr kumimoji="1" lang="zh-CN" altLang="en-US" smtClean="0"/>
-              <a:t>2019/10/23</a:t>
+              <a:t>2019/10/31</a:t>
             </a:fld>
             <a:endParaRPr kumimoji="1" lang="zh-CN" altLang="en-US"/>
           </a:p>
@@ -1822,7 +1824,7 @@
           <a:p>
             <a:fld id="{3D71AFD6-832F-764F-A8C5-443411455556}" type="datetimeFigureOut">
               <a:rPr kumimoji="1" lang="zh-CN" altLang="en-US" smtClean="0"/>
-              <a:t>2019/10/23</a:t>
+              <a:t>2019/10/31</a:t>
             </a:fld>
             <a:endParaRPr kumimoji="1" lang="zh-CN" altLang="en-US"/>
           </a:p>
@@ -1963,7 +1965,7 @@
           <a:p>
             <a:fld id="{3D71AFD6-832F-764F-A8C5-443411455556}" type="datetimeFigureOut">
               <a:rPr kumimoji="1" lang="zh-CN" altLang="en-US" smtClean="0"/>
-              <a:t>2019/10/23</a:t>
+              <a:t>2019/10/31</a:t>
             </a:fld>
             <a:endParaRPr kumimoji="1" lang="zh-CN" altLang="en-US"/>
           </a:p>
@@ -2076,7 +2078,7 @@
           <a:p>
             <a:fld id="{3D71AFD6-832F-764F-A8C5-443411455556}" type="datetimeFigureOut">
               <a:rPr kumimoji="1" lang="zh-CN" altLang="en-US" smtClean="0"/>
-              <a:t>2019/10/23</a:t>
+              <a:t>2019/10/31</a:t>
             </a:fld>
             <a:endParaRPr kumimoji="1" lang="zh-CN" altLang="en-US"/>
           </a:p>
@@ -2387,7 +2389,7 @@
           <a:p>
             <a:fld id="{3D71AFD6-832F-764F-A8C5-443411455556}" type="datetimeFigureOut">
               <a:rPr kumimoji="1" lang="zh-CN" altLang="en-US" smtClean="0"/>
-              <a:t>2019/10/23</a:t>
+              <a:t>2019/10/31</a:t>
             </a:fld>
             <a:endParaRPr kumimoji="1" lang="zh-CN" altLang="en-US"/>
           </a:p>
@@ -2675,7 +2677,7 @@
           <a:p>
             <a:fld id="{3D71AFD6-832F-764F-A8C5-443411455556}" type="datetimeFigureOut">
               <a:rPr kumimoji="1" lang="zh-CN" altLang="en-US" smtClean="0"/>
-              <a:t>2019/10/23</a:t>
+              <a:t>2019/10/31</a:t>
             </a:fld>
             <a:endParaRPr kumimoji="1" lang="zh-CN" altLang="en-US"/>
           </a:p>
@@ -2916,7 +2918,7 @@
           <a:p>
             <a:fld id="{3D71AFD6-832F-764F-A8C5-443411455556}" type="datetimeFigureOut">
               <a:rPr kumimoji="1" lang="zh-CN" altLang="en-US" smtClean="0"/>
-              <a:t>2019/10/23</a:t>
+              <a:t>2019/10/31</a:t>
             </a:fld>
             <a:endParaRPr kumimoji="1" lang="zh-CN" altLang="en-US"/>
           </a:p>
@@ -5786,6 +5788,270 @@
 </p:sld>
 </file>
 
+<file path=ppt/slides/slide10.xml><?xml version="1.0" encoding="utf-8"?>
+<p:sld xmlns:a="http://schemas.openxmlformats.org/drawingml/2006/main" xmlns:r="http://schemas.openxmlformats.org/officeDocument/2006/relationships" xmlns:p="http://schemas.openxmlformats.org/presentationml/2006/main">
+  <p:cSld>
+    <p:spTree>
+      <p:nvGrpSpPr>
+        <p:cNvPr id="1" name=""/>
+        <p:cNvGrpSpPr/>
+        <p:nvPr/>
+      </p:nvGrpSpPr>
+      <p:grpSpPr>
+        <a:xfrm>
+          <a:off x="0" y="0"/>
+          <a:ext cx="0" cy="0"/>
+          <a:chOff x="0" y="0"/>
+          <a:chExt cx="0" cy="0"/>
+        </a:xfrm>
+      </p:grpSpPr>
+      <p:pic>
+        <p:nvPicPr>
+          <p:cNvPr id="4" name="图片 3">
+            <a:extLst>
+              <a:ext uri="{FF2B5EF4-FFF2-40B4-BE49-F238E27FC236}">
+                <a16:creationId xmlns:a16="http://schemas.microsoft.com/office/drawing/2014/main" id="{69150D40-58F3-F34F-90EB-65FBEDD664D3}"/>
+              </a:ext>
+            </a:extLst>
+          </p:cNvPr>
+          <p:cNvPicPr>
+            <a:picLocks noChangeAspect="1"/>
+          </p:cNvPicPr>
+          <p:nvPr/>
+        </p:nvPicPr>
+        <p:blipFill>
+          <a:blip r:embed="rId2"/>
+          <a:stretch>
+            <a:fillRect/>
+          </a:stretch>
+        </p:blipFill>
+        <p:spPr>
+          <a:xfrm>
+            <a:off x="46514" y="378196"/>
+            <a:ext cx="12192000" cy="6101608"/>
+          </a:xfrm>
+          <a:prstGeom prst="rect">
+            <a:avLst/>
+          </a:prstGeom>
+        </p:spPr>
+      </p:pic>
+      <p:cxnSp>
+        <p:nvCxnSpPr>
+          <p:cNvPr id="10" name="直线箭头连接符 9">
+            <a:extLst>
+              <a:ext uri="{FF2B5EF4-FFF2-40B4-BE49-F238E27FC236}">
+                <a16:creationId xmlns:a16="http://schemas.microsoft.com/office/drawing/2014/main" id="{23E9BCE1-FB48-F740-BC37-C87EE00680BC}"/>
+              </a:ext>
+            </a:extLst>
+          </p:cNvPr>
+          <p:cNvCxnSpPr>
+            <a:cxnSpLocks/>
+          </p:cNvCxnSpPr>
+          <p:nvPr/>
+        </p:nvCxnSpPr>
+        <p:spPr>
+          <a:xfrm>
+            <a:off x="2053771" y="3277590"/>
+            <a:ext cx="1021938" cy="0"/>
+          </a:xfrm>
+          <a:prstGeom prst="straightConnector1">
+            <a:avLst/>
+          </a:prstGeom>
+          <a:ln w="19050">
+            <a:solidFill>
+              <a:schemeClr val="tx1">
+                <a:lumMod val="50000"/>
+                <a:lumOff val="50000"/>
+              </a:schemeClr>
+            </a:solidFill>
+            <a:headEnd type="diamond" w="lg" len="lg"/>
+            <a:tailEnd type="arrow" w="lg" len="lg"/>
+          </a:ln>
+        </p:spPr>
+        <p:style>
+          <a:lnRef idx="1">
+            <a:schemeClr val="accent1"/>
+          </a:lnRef>
+          <a:fillRef idx="0">
+            <a:schemeClr val="accent1"/>
+          </a:fillRef>
+          <a:effectRef idx="0">
+            <a:schemeClr val="accent1"/>
+          </a:effectRef>
+          <a:fontRef idx="minor">
+            <a:schemeClr val="tx1"/>
+          </a:fontRef>
+        </p:style>
+      </p:cxnSp>
+      <p:cxnSp>
+        <p:nvCxnSpPr>
+          <p:cNvPr id="11" name="直线箭头连接符 10">
+            <a:extLst>
+              <a:ext uri="{FF2B5EF4-FFF2-40B4-BE49-F238E27FC236}">
+                <a16:creationId xmlns:a16="http://schemas.microsoft.com/office/drawing/2014/main" id="{56F95A0B-D6E4-F446-8957-7846A2D9BF4A}"/>
+              </a:ext>
+            </a:extLst>
+          </p:cNvPr>
+          <p:cNvCxnSpPr>
+            <a:cxnSpLocks/>
+          </p:cNvCxnSpPr>
+          <p:nvPr/>
+        </p:nvCxnSpPr>
+        <p:spPr>
+          <a:xfrm flipH="1">
+            <a:off x="6828314" y="3562597"/>
+            <a:ext cx="771894" cy="0"/>
+          </a:xfrm>
+          <a:prstGeom prst="straightConnector1">
+            <a:avLst/>
+          </a:prstGeom>
+          <a:ln w="19050">
+            <a:solidFill>
+              <a:schemeClr val="tx1">
+                <a:lumMod val="50000"/>
+                <a:lumOff val="50000"/>
+              </a:schemeClr>
+            </a:solidFill>
+            <a:headEnd type="diamond" w="lg" len="lg"/>
+            <a:tailEnd type="arrow" w="lg" len="lg"/>
+          </a:ln>
+        </p:spPr>
+        <p:style>
+          <a:lnRef idx="1">
+            <a:schemeClr val="accent1"/>
+          </a:lnRef>
+          <a:fillRef idx="0">
+            <a:schemeClr val="accent1"/>
+          </a:fillRef>
+          <a:effectRef idx="0">
+            <a:schemeClr val="accent1"/>
+          </a:effectRef>
+          <a:fontRef idx="minor">
+            <a:schemeClr val="tx1"/>
+          </a:fontRef>
+        </p:style>
+      </p:cxnSp>
+      <p:cxnSp>
+        <p:nvCxnSpPr>
+          <p:cNvPr id="15" name="直线箭头连接符 14">
+            <a:extLst>
+              <a:ext uri="{FF2B5EF4-FFF2-40B4-BE49-F238E27FC236}">
+                <a16:creationId xmlns:a16="http://schemas.microsoft.com/office/drawing/2014/main" id="{5E4ACCC6-9DA4-BD44-B1FE-594E9EB1EEEE}"/>
+              </a:ext>
+            </a:extLst>
+          </p:cNvPr>
+          <p:cNvCxnSpPr>
+            <a:cxnSpLocks/>
+            <a:stCxn id="16" idx="1"/>
+          </p:cNvCxnSpPr>
+          <p:nvPr/>
+        </p:nvCxnSpPr>
+        <p:spPr>
+          <a:xfrm flipH="1">
+            <a:off x="9332259" y="4155869"/>
+            <a:ext cx="591994" cy="0"/>
+          </a:xfrm>
+          <a:prstGeom prst="straightConnector1">
+            <a:avLst/>
+          </a:prstGeom>
+          <a:ln w="19050">
+            <a:solidFill>
+              <a:schemeClr val="tx1">
+                <a:lumMod val="50000"/>
+                <a:lumOff val="50000"/>
+              </a:schemeClr>
+            </a:solidFill>
+            <a:headEnd type="none" w="med" len="med"/>
+            <a:tailEnd type="arrow" w="med" len="med"/>
+          </a:ln>
+        </p:spPr>
+        <p:style>
+          <a:lnRef idx="1">
+            <a:schemeClr val="accent1"/>
+          </a:lnRef>
+          <a:fillRef idx="0">
+            <a:schemeClr val="accent1"/>
+          </a:fillRef>
+          <a:effectRef idx="0">
+            <a:schemeClr val="accent1"/>
+          </a:effectRef>
+          <a:fontRef idx="minor">
+            <a:schemeClr val="tx1"/>
+          </a:fontRef>
+        </p:style>
+      </p:cxnSp>
+      <p:sp>
+        <p:nvSpPr>
+          <p:cNvPr id="16" name="菱形 15">
+            <a:extLst>
+              <a:ext uri="{FF2B5EF4-FFF2-40B4-BE49-F238E27FC236}">
+                <a16:creationId xmlns:a16="http://schemas.microsoft.com/office/drawing/2014/main" id="{0A9495A9-87D8-4040-A71E-A6A9264B73A6}"/>
+              </a:ext>
+            </a:extLst>
+          </p:cNvPr>
+          <p:cNvSpPr/>
+          <p:nvPr/>
+        </p:nvSpPr>
+        <p:spPr>
+          <a:xfrm>
+            <a:off x="9924253" y="4071202"/>
+            <a:ext cx="169334" cy="169334"/>
+          </a:xfrm>
+          <a:prstGeom prst="diamond">
+            <a:avLst/>
+          </a:prstGeom>
+          <a:noFill/>
+          <a:ln w="19050">
+            <a:solidFill>
+              <a:schemeClr val="tx1">
+                <a:lumMod val="50000"/>
+                <a:lumOff val="50000"/>
+              </a:schemeClr>
+            </a:solidFill>
+          </a:ln>
+        </p:spPr>
+        <p:style>
+          <a:lnRef idx="2">
+            <a:schemeClr val="accent1">
+              <a:shade val="50000"/>
+            </a:schemeClr>
+          </a:lnRef>
+          <a:fillRef idx="1">
+            <a:schemeClr val="accent1"/>
+          </a:fillRef>
+          <a:effectRef idx="0">
+            <a:schemeClr val="accent1"/>
+          </a:effectRef>
+          <a:fontRef idx="minor">
+            <a:schemeClr val="lt1"/>
+          </a:fontRef>
+        </p:style>
+        <p:txBody>
+          <a:bodyPr rtlCol="0" anchor="ctr"/>
+          <a:lstStyle/>
+          <a:p>
+            <a:pPr algn="ctr"/>
+            <a:endParaRPr kumimoji="1" lang="zh-CN" altLang="en-US">
+              <a:solidFill>
+                <a:schemeClr val="tx1"/>
+              </a:solidFill>
+            </a:endParaRPr>
+          </a:p>
+        </p:txBody>
+      </p:sp>
+    </p:spTree>
+    <p:extLst>
+      <p:ext uri="{BB962C8B-B14F-4D97-AF65-F5344CB8AC3E}">
+        <p14:creationId xmlns:p14="http://schemas.microsoft.com/office/powerpoint/2010/main" val="4145201055"/>
+      </p:ext>
+    </p:extLst>
+  </p:cSld>
+  <p:clrMapOvr>
+    <a:masterClrMapping/>
+  </p:clrMapOvr>
+</p:sld>
+</file>
+
 <file path=ppt/slides/slide2.xml><?xml version="1.0" encoding="utf-8"?>
 <p:sld xmlns:a="http://schemas.openxmlformats.org/drawingml/2006/main" xmlns:r="http://schemas.openxmlformats.org/officeDocument/2006/relationships" xmlns:p="http://schemas.openxmlformats.org/presentationml/2006/main">
   <p:cSld>
@@ -5821,8 +6087,8 @@
         </p:nvCxnSpPr>
         <p:spPr>
           <a:xfrm flipV="1">
-            <a:off x="6601226" y="670152"/>
-            <a:ext cx="1230116" cy="1124487"/>
+            <a:off x="6601226" y="729527"/>
+            <a:ext cx="1230116" cy="1065112"/>
           </a:xfrm>
           <a:prstGeom prst="straightConnector1">
             <a:avLst/>
@@ -5858,14 +6124,14 @@
           <p:cNvCxnSpPr>
             <a:cxnSpLocks/>
             <a:stCxn id="24" idx="3"/>
-            <a:endCxn id="34" idx="1"/>
+            <a:endCxn id="106" idx="1"/>
           </p:cNvCxnSpPr>
           <p:nvPr/>
         </p:nvCxnSpPr>
         <p:spPr>
           <a:xfrm flipV="1">
-            <a:off x="9851613" y="649396"/>
-            <a:ext cx="847739" cy="962030"/>
+            <a:off x="9851613" y="1274456"/>
+            <a:ext cx="847738" cy="396345"/>
           </a:xfrm>
           <a:prstGeom prst="straightConnector1">
             <a:avLst/>
@@ -5903,7 +6169,7 @@
         </p:nvGrpSpPr>
         <p:grpSpPr>
           <a:xfrm>
-            <a:off x="6840187" y="-197690"/>
+            <a:off x="6840187" y="-138315"/>
             <a:ext cx="3127902" cy="2662866"/>
             <a:chOff x="2155797" y="583529"/>
             <a:chExt cx="4092598" cy="3477234"/>
@@ -8376,14 +8642,14 @@
           <p:cNvCxnSpPr>
             <a:cxnSpLocks/>
             <a:stCxn id="25" idx="3"/>
-            <a:endCxn id="66" idx="1"/>
+            <a:endCxn id="68" idx="1"/>
           </p:cNvCxnSpPr>
           <p:nvPr/>
         </p:nvCxnSpPr>
         <p:spPr>
           <a:xfrm>
-            <a:off x="9851613" y="1953659"/>
-            <a:ext cx="847739" cy="333244"/>
+            <a:off x="9851613" y="2013034"/>
+            <a:ext cx="847741" cy="992095"/>
           </a:xfrm>
           <a:prstGeom prst="straightConnector1">
             <a:avLst/>
@@ -28735,193 +29001,312 @@
       </p:grpSpPr>
       <p:sp>
         <p:nvSpPr>
-          <p:cNvPr id="25" name="椭圆 24">
-            <a:extLst>
-              <a:ext uri="{FF2B5EF4-FFF2-40B4-BE49-F238E27FC236}">
-                <a16:creationId xmlns:a16="http://schemas.microsoft.com/office/drawing/2014/main" id="{435F63ED-CE3D-6042-8E02-9780600469CA}"/>
-              </a:ext>
-            </a:extLst>
-          </p:cNvPr>
-          <p:cNvSpPr/>
+          <p:cNvPr id="6" name="文本框 5">
+            <a:extLst>
+              <a:ext uri="{FF2B5EF4-FFF2-40B4-BE49-F238E27FC236}">
+                <a16:creationId xmlns:a16="http://schemas.microsoft.com/office/drawing/2014/main" id="{9AA7D87A-D68A-D241-8B96-0C327EE49372}"/>
+              </a:ext>
+            </a:extLst>
+          </p:cNvPr>
+          <p:cNvSpPr txBox="1"/>
           <p:nvPr/>
         </p:nvSpPr>
         <p:spPr>
           <a:xfrm>
-            <a:off x="2911367" y="735724"/>
-            <a:ext cx="1177158" cy="823747"/>
+            <a:off x="842966" y="1130143"/>
+            <a:ext cx="8569258" cy="3139321"/>
           </a:xfrm>
-          <a:prstGeom prst="ellipse">
+          <a:prstGeom prst="rect">
             <a:avLst/>
           </a:prstGeom>
           <a:noFill/>
-          <a:ln>
-            <a:solidFill>
-              <a:schemeClr val="tx1"/>
-            </a:solidFill>
-          </a:ln>
         </p:spPr>
-        <p:style>
-          <a:lnRef idx="2">
-            <a:schemeClr val="accent1">
-              <a:shade val="50000"/>
-            </a:schemeClr>
-          </a:lnRef>
-          <a:fillRef idx="1">
-            <a:schemeClr val="accent1"/>
-          </a:fillRef>
-          <a:effectRef idx="0">
-            <a:schemeClr val="accent1"/>
-          </a:effectRef>
-          <a:fontRef idx="minor">
-            <a:schemeClr val="lt1"/>
-          </a:fontRef>
-        </p:style>
         <p:txBody>
-          <a:bodyPr rtlCol="0" anchor="ctr"/>
+          <a:bodyPr wrap="square" rtlCol="0">
+            <a:spAutoFit/>
+          </a:bodyPr>
           <a:lstStyle/>
           <a:p>
-            <a:pPr algn="ctr"/>
+            <a:pPr marL="285750" indent="-285750">
+              <a:buFontTx/>
+              <a:buChar char="-"/>
+            </a:pPr>
             <a:r>
-              <a:rPr kumimoji="1" lang="en-US" altLang="zh-CN">
-                <a:solidFill>
-                  <a:schemeClr val="tx1"/>
-                </a:solidFill>
-              </a:rPr>
-              <a:t>inode</a:t>
+              <a:rPr kumimoji="1" lang="zh-CN" altLang="en-US"/>
+              <a:t>最终要通过</a:t>
             </a:r>
-            <a:endParaRPr kumimoji="1" lang="zh-CN" altLang="en-US">
-              <a:solidFill>
-                <a:schemeClr val="tx1"/>
-              </a:solidFill>
-            </a:endParaRPr>
-          </a:p>
-        </p:txBody>
-      </p:sp>
-      <p:sp>
-        <p:nvSpPr>
-          <p:cNvPr id="2" name="圆角矩形 1">
-            <a:extLst>
-              <a:ext uri="{FF2B5EF4-FFF2-40B4-BE49-F238E27FC236}">
-                <a16:creationId xmlns:a16="http://schemas.microsoft.com/office/drawing/2014/main" id="{6826D535-8A09-5A45-8203-71C44C950ED1}"/>
-              </a:ext>
-            </a:extLst>
-          </p:cNvPr>
-          <p:cNvSpPr/>
-          <p:nvPr/>
-        </p:nvSpPr>
-        <p:spPr>
-          <a:xfrm>
-            <a:off x="6547948" y="947900"/>
-            <a:ext cx="2375338" cy="399393"/>
-          </a:xfrm>
-          <a:prstGeom prst="roundRect">
-            <a:avLst/>
-          </a:prstGeom>
-          <a:noFill/>
-          <a:ln>
-            <a:solidFill>
-              <a:schemeClr val="tx1"/>
-            </a:solidFill>
-          </a:ln>
-        </p:spPr>
-        <p:style>
-          <a:lnRef idx="2">
-            <a:schemeClr val="accent1">
-              <a:shade val="50000"/>
-            </a:schemeClr>
-          </a:lnRef>
-          <a:fillRef idx="1">
-            <a:schemeClr val="accent1"/>
-          </a:fillRef>
-          <a:effectRef idx="0">
-            <a:schemeClr val="accent1"/>
-          </a:effectRef>
-          <a:fontRef idx="minor">
-            <a:schemeClr val="lt1"/>
-          </a:fontRef>
-        </p:style>
-        <p:txBody>
-          <a:bodyPr rtlCol="0" anchor="ctr"/>
-          <a:lstStyle/>
-          <a:p>
-            <a:pPr algn="ctr"/>
             <a:r>
-              <a:rPr kumimoji="1" lang="en-US" altLang="zh-CN">
-                <a:solidFill>
-                  <a:schemeClr val="tx1"/>
-                </a:solidFill>
-              </a:rPr>
-              <a:t>buffer</a:t>
+              <a:rPr kumimoji="1" lang="en-US" altLang="zh-CN"/>
+              <a:t> block</a:t>
             </a:r>
-            <a:endParaRPr kumimoji="1" lang="zh-CN" altLang="en-US">
-              <a:solidFill>
-                <a:schemeClr val="tx1"/>
-              </a:solidFill>
-            </a:endParaRPr>
-          </a:p>
-        </p:txBody>
-      </p:sp>
-      <p:sp>
-        <p:nvSpPr>
-          <p:cNvPr id="5" name="左右箭头 4">
-            <a:extLst>
-              <a:ext uri="{FF2B5EF4-FFF2-40B4-BE49-F238E27FC236}">
-                <a16:creationId xmlns:a16="http://schemas.microsoft.com/office/drawing/2014/main" id="{535997B8-B719-A94E-99D7-CB55E8ABA017}"/>
-              </a:ext>
-            </a:extLst>
-          </p:cNvPr>
-          <p:cNvSpPr/>
-          <p:nvPr/>
-        </p:nvSpPr>
-        <p:spPr>
-          <a:xfrm>
-            <a:off x="4309241" y="888122"/>
-            <a:ext cx="1944413" cy="518947"/>
-          </a:xfrm>
-          <a:prstGeom prst="leftRightArrow">
-            <a:avLst/>
-          </a:prstGeom>
-          <a:noFill/>
-          <a:ln>
-            <a:solidFill>
-              <a:schemeClr val="tx1"/>
-            </a:solidFill>
-          </a:ln>
-        </p:spPr>
-        <p:style>
-          <a:lnRef idx="2">
-            <a:schemeClr val="accent1">
-              <a:shade val="50000"/>
-            </a:schemeClr>
-          </a:lnRef>
-          <a:fillRef idx="1">
-            <a:schemeClr val="accent1"/>
-          </a:fillRef>
-          <a:effectRef idx="0">
-            <a:schemeClr val="accent1"/>
-          </a:effectRef>
-          <a:fontRef idx="minor">
-            <a:schemeClr val="lt1"/>
-          </a:fontRef>
-        </p:style>
-        <p:txBody>
-          <a:bodyPr rtlCol="0" anchor="ctr"/>
-          <a:lstStyle/>
-          <a:p>
-            <a:pPr algn="ctr"/>
             <a:r>
-              <a:rPr kumimoji="1" lang="en-US" altLang="zh-CN">
-                <a:solidFill>
-                  <a:schemeClr val="tx1"/>
-                </a:solidFill>
-              </a:rPr>
-              <a:t>sfs_io</a:t>
+              <a:rPr kumimoji="1" lang="zh-CN" altLang="en-US"/>
+              <a:t> 构建</a:t>
             </a:r>
-            <a:endParaRPr kumimoji="1" lang="zh-CN" altLang="en-US">
-              <a:solidFill>
-                <a:schemeClr val="tx1"/>
-              </a:solidFill>
-            </a:endParaRPr>
+            <a:r>
+              <a:rPr kumimoji="1" lang="en-US" altLang="zh-CN"/>
+              <a:t> inode </a:t>
+            </a:r>
+            <a:r>
+              <a:rPr kumimoji="1" lang="zh-CN" altLang="en-US"/>
+              <a:t>的树形关系</a:t>
+            </a:r>
+            <a:endParaRPr kumimoji="1" lang="en-US" altLang="zh-CN"/>
+          </a:p>
+          <a:p>
+            <a:pPr marL="285750" indent="-285750">
+              <a:buFontTx/>
+              <a:buChar char="-"/>
+            </a:pPr>
+            <a:r>
+              <a:rPr kumimoji="1" lang="en-US" altLang="zh-CN"/>
+              <a:t>inode </a:t>
+            </a:r>
+            <a:r>
+              <a:rPr kumimoji="1" lang="zh-CN" altLang="en-US"/>
+              <a:t>分两种：文件和目录</a:t>
+            </a:r>
+            <a:endParaRPr kumimoji="1" lang="en-US" altLang="zh-CN"/>
+          </a:p>
+          <a:p>
+            <a:pPr marL="285750" indent="-285750">
+              <a:buFontTx/>
+              <a:buChar char="-"/>
+            </a:pPr>
+            <a:r>
+              <a:rPr kumimoji="1" lang="zh-CN" altLang="en-US"/>
+              <a:t>叶子节点可能是文件页可能是目录</a:t>
+            </a:r>
+            <a:endParaRPr kumimoji="1" lang="en-US" altLang="zh-CN"/>
+          </a:p>
+          <a:p>
+            <a:pPr marL="285750" indent="-285750">
+              <a:buFontTx/>
+              <a:buChar char="-"/>
+            </a:pPr>
+            <a:r>
+              <a:rPr kumimoji="1" lang="zh-CN" altLang="en-US"/>
+              <a:t>非叶子节点一定是目录</a:t>
+            </a:r>
+            <a:endParaRPr kumimoji="1" lang="en-US" altLang="zh-CN"/>
+          </a:p>
+          <a:p>
+            <a:pPr marL="285750" indent="-285750">
+              <a:buFontTx/>
+              <a:buChar char="-"/>
+            </a:pPr>
+            <a:r>
+              <a:rPr kumimoji="1" lang="zh-CN" altLang="en-US"/>
+              <a:t>根结点（</a:t>
+            </a:r>
+            <a:r>
+              <a:rPr kumimoji="1" lang="en-US" altLang="zh-CN"/>
+              <a:t>root)</a:t>
+            </a:r>
+            <a:r>
+              <a:rPr kumimoji="1" lang="zh-CN" altLang="en-US"/>
+              <a:t>是目录</a:t>
+            </a:r>
+            <a:endParaRPr kumimoji="1" lang="en-US" altLang="zh-CN"/>
+          </a:p>
+          <a:p>
+            <a:pPr marL="285750" indent="-285750">
+              <a:buFontTx/>
+              <a:buChar char="-"/>
+            </a:pPr>
+            <a:r>
+              <a:rPr kumimoji="1" lang="en-US" altLang="zh-CN"/>
+              <a:t> 1 </a:t>
+            </a:r>
+            <a:r>
+              <a:rPr kumimoji="1" lang="zh-CN" altLang="en-US"/>
+              <a:t>个</a:t>
+            </a:r>
+            <a:r>
+              <a:rPr kumimoji="1" lang="en-US" altLang="zh-CN"/>
+              <a:t>inode </a:t>
+            </a:r>
+            <a:r>
+              <a:rPr kumimoji="1" lang="zh-CN" altLang="en-US"/>
+              <a:t>只能指向一个</a:t>
+            </a:r>
+            <a:r>
+              <a:rPr kumimoji="1" lang="en-US" altLang="zh-CN"/>
+              <a:t> block</a:t>
+            </a:r>
+          </a:p>
+          <a:p>
+            <a:pPr marL="285750" indent="-285750">
+              <a:buFontTx/>
+              <a:buChar char="-"/>
+            </a:pPr>
+            <a:r>
+              <a:rPr kumimoji="1" lang="en-US" altLang="zh-CN"/>
+              <a:t>1 </a:t>
+            </a:r>
+            <a:r>
+              <a:rPr kumimoji="1" lang="zh-CN" altLang="en-US"/>
+              <a:t>个</a:t>
+            </a:r>
+            <a:r>
+              <a:rPr kumimoji="1" lang="en-US" altLang="zh-CN"/>
+              <a:t> inode </a:t>
+            </a:r>
+            <a:r>
+              <a:rPr kumimoji="1" lang="zh-CN" altLang="en-US"/>
+              <a:t>通过</a:t>
+            </a:r>
+            <a:r>
+              <a:rPr kumimoji="1" lang="en-US" altLang="zh-CN"/>
+              <a:t> blocks </a:t>
+            </a:r>
+            <a:r>
+              <a:rPr kumimoji="1" lang="zh-CN" altLang="en-US"/>
+              <a:t>字段指向多个（连续）</a:t>
+            </a:r>
+            <a:r>
+              <a:rPr kumimoji="1" lang="en-US" altLang="zh-CN"/>
+              <a:t> block</a:t>
+            </a:r>
+          </a:p>
+          <a:p>
+            <a:pPr marL="285750" indent="-285750">
+              <a:buFontTx/>
+              <a:buChar char="-"/>
+            </a:pPr>
+            <a:r>
+              <a:rPr kumimoji="1" lang="en-US" altLang="zh-CN"/>
+              <a:t>1 </a:t>
+            </a:r>
+            <a:r>
+              <a:rPr kumimoji="1" lang="zh-CN" altLang="en-US"/>
+              <a:t>个</a:t>
+            </a:r>
+            <a:r>
+              <a:rPr kumimoji="1" lang="en-US" altLang="zh-CN"/>
+              <a:t> block </a:t>
+            </a:r>
+            <a:r>
+              <a:rPr kumimoji="1" lang="zh-CN" altLang="en-US"/>
+              <a:t>只能指向 </a:t>
+            </a:r>
+            <a:r>
+              <a:rPr kumimoji="1" lang="en-US" altLang="zh-CN"/>
+              <a:t>1 </a:t>
+            </a:r>
+            <a:r>
+              <a:rPr kumimoji="1" lang="zh-CN" altLang="en-US"/>
+              <a:t>个</a:t>
+            </a:r>
+            <a:r>
+              <a:rPr kumimoji="1" lang="en-US" altLang="zh-CN"/>
+              <a:t> inode</a:t>
+            </a:r>
+          </a:p>
+          <a:p>
+            <a:pPr marL="285750" indent="-285750">
+              <a:buFontTx/>
+              <a:buChar char="-"/>
+            </a:pPr>
+            <a:r>
+              <a:rPr kumimoji="1" lang="zh-CN" altLang="en-US"/>
+              <a:t>目录</a:t>
+            </a:r>
+            <a:r>
+              <a:rPr kumimoji="1" lang="en-US" altLang="zh-CN"/>
+              <a:t> inode </a:t>
+            </a:r>
+            <a:r>
+              <a:rPr kumimoji="1" lang="zh-CN" altLang="en-US"/>
+              <a:t>通过指向的多个</a:t>
+            </a:r>
+            <a:r>
+              <a:rPr kumimoji="1" lang="en-US" altLang="zh-CN"/>
+              <a:t> blocks </a:t>
+            </a:r>
+            <a:r>
+              <a:rPr kumimoji="1" lang="zh-CN" altLang="en-US"/>
+              <a:t>说明成员，即子节点</a:t>
+            </a:r>
+            <a:endParaRPr kumimoji="1" lang="en-US" altLang="zh-CN"/>
+          </a:p>
+          <a:p>
+            <a:pPr marL="285750" indent="-285750">
+              <a:buFontTx/>
+              <a:buChar char="-"/>
+            </a:pPr>
+            <a:r>
+              <a:rPr kumimoji="1" lang="zh-CN" altLang="en-US"/>
+              <a:t>文件</a:t>
+            </a:r>
+            <a:r>
+              <a:rPr kumimoji="1" lang="en-US" altLang="zh-CN"/>
+              <a:t> inode </a:t>
+            </a:r>
+            <a:r>
+              <a:rPr kumimoji="1" lang="zh-CN" altLang="en-US"/>
+              <a:t>通过指向的多个</a:t>
+            </a:r>
+            <a:r>
+              <a:rPr kumimoji="1" lang="en-US" altLang="zh-CN"/>
+              <a:t> blocks </a:t>
+            </a:r>
+            <a:r>
+              <a:rPr kumimoji="1" lang="zh-CN" altLang="en-US"/>
+              <a:t>说明文件占据的空间</a:t>
+            </a:r>
+            <a:endParaRPr kumimoji="1" lang="en-US" altLang="zh-CN"/>
+          </a:p>
+          <a:p>
+            <a:pPr marL="285750" indent="-285750">
+              <a:buFontTx/>
+              <a:buChar char="-"/>
+            </a:pPr>
+            <a:r>
+              <a:rPr kumimoji="1" lang="zh-CN" altLang="en-US"/>
+              <a:t>目录</a:t>
+            </a:r>
+            <a:r>
+              <a:rPr kumimoji="1" lang="en-US" altLang="zh-CN"/>
+              <a:t> inode </a:t>
+            </a:r>
+            <a:r>
+              <a:rPr kumimoji="1" lang="zh-CN" altLang="en-US"/>
+              <a:t>至少有两个成员，即当前</a:t>
+            </a:r>
+            <a:r>
+              <a:rPr kumimoji="1" lang="en-US" altLang="zh-CN"/>
+              <a:t>(current)</a:t>
+            </a:r>
+            <a:r>
+              <a:rPr kumimoji="1" lang="zh-CN" altLang="en-US"/>
+              <a:t>目录“</a:t>
+            </a:r>
+            <a:r>
+              <a:rPr kumimoji="1" lang="en-US" altLang="zh-CN"/>
+              <a:t>.”</a:t>
+            </a:r>
+            <a:r>
+              <a:rPr kumimoji="1" lang="zh-CN" altLang="en-US"/>
+              <a:t>和上级</a:t>
+            </a:r>
+            <a:r>
+              <a:rPr kumimoji="1" lang="en-US" altLang="zh-CN"/>
+              <a:t>(parent)</a:t>
+            </a:r>
+            <a:r>
+              <a:rPr kumimoji="1" lang="zh-CN" altLang="en-US"/>
+              <a:t>目录“</a:t>
+            </a:r>
+            <a:r>
+              <a:rPr kumimoji="1" lang="en-US" altLang="zh-CN"/>
+              <a:t>..</a:t>
+            </a:r>
+            <a:r>
+              <a:rPr kumimoji="1" lang="zh-CN" altLang="en-US"/>
+              <a:t>”</a:t>
+            </a:r>
+            <a:endParaRPr kumimoji="1" lang="en-US" altLang="zh-CN"/>
           </a:p>
         </p:txBody>
       </p:sp>
@@ -30409,6 +30794,132 @@
     <p:extLst>
       <p:ext uri="{BB962C8B-B14F-4D97-AF65-F5344CB8AC3E}">
         <p14:creationId xmlns:p14="http://schemas.microsoft.com/office/powerpoint/2010/main" val="4072598713"/>
+      </p:ext>
+    </p:extLst>
+  </p:cSld>
+  <p:clrMapOvr>
+    <a:masterClrMapping/>
+  </p:clrMapOvr>
+</p:sld>
+</file>
+
+<file path=ppt/slides/slide9.xml><?xml version="1.0" encoding="utf-8"?>
+<p:sld xmlns:a="http://schemas.openxmlformats.org/drawingml/2006/main" xmlns:r="http://schemas.openxmlformats.org/officeDocument/2006/relationships" xmlns:p="http://schemas.openxmlformats.org/presentationml/2006/main">
+  <p:cSld>
+    <p:spTree>
+      <p:nvGrpSpPr>
+        <p:cNvPr id="1" name=""/>
+        <p:cNvGrpSpPr/>
+        <p:nvPr/>
+      </p:nvGrpSpPr>
+      <p:grpSpPr>
+        <a:xfrm>
+          <a:off x="0" y="0"/>
+          <a:ext cx="0" cy="0"/>
+          <a:chOff x="0" y="0"/>
+          <a:chExt cx="0" cy="0"/>
+        </a:xfrm>
+      </p:grpSpPr>
+      <p:grpSp>
+        <p:nvGrpSpPr>
+          <p:cNvPr id="9" name="组合 8">
+            <a:extLst>
+              <a:ext uri="{FF2B5EF4-FFF2-40B4-BE49-F238E27FC236}">
+                <a16:creationId xmlns:a16="http://schemas.microsoft.com/office/drawing/2014/main" id="{412875CC-2786-974E-ADA7-4BD279CC83AE}"/>
+              </a:ext>
+            </a:extLst>
+          </p:cNvPr>
+          <p:cNvGrpSpPr/>
+          <p:nvPr/>
+        </p:nvGrpSpPr>
+        <p:grpSpPr>
+          <a:xfrm>
+            <a:off x="6197600" y="147535"/>
+            <a:ext cx="5994400" cy="5422900"/>
+            <a:chOff x="3098800" y="717550"/>
+            <a:chExt cx="5994400" cy="5422900"/>
+          </a:xfrm>
+        </p:grpSpPr>
+        <p:pic>
+          <p:nvPicPr>
+            <p:cNvPr id="5" name="图片 4">
+              <a:extLst>
+                <a:ext uri="{FF2B5EF4-FFF2-40B4-BE49-F238E27FC236}">
+                  <a16:creationId xmlns:a16="http://schemas.microsoft.com/office/drawing/2014/main" id="{71E67A92-707F-8446-A6FA-D77DC66E6357}"/>
+                </a:ext>
+              </a:extLst>
+            </p:cNvPr>
+            <p:cNvPicPr>
+              <a:picLocks noChangeAspect="1"/>
+            </p:cNvPicPr>
+            <p:nvPr/>
+          </p:nvPicPr>
+          <p:blipFill>
+            <a:blip r:embed="rId2"/>
+            <a:stretch>
+              <a:fillRect/>
+            </a:stretch>
+          </p:blipFill>
+          <p:spPr>
+            <a:xfrm>
+              <a:off x="3098800" y="717550"/>
+              <a:ext cx="5994400" cy="5422900"/>
+            </a:xfrm>
+            <a:prstGeom prst="rect">
+              <a:avLst/>
+            </a:prstGeom>
+          </p:spPr>
+        </p:pic>
+        <p:cxnSp>
+          <p:nvCxnSpPr>
+            <p:cNvPr id="7" name="直线箭头连接符 6">
+              <a:extLst>
+                <a:ext uri="{FF2B5EF4-FFF2-40B4-BE49-F238E27FC236}">
+                  <a16:creationId xmlns:a16="http://schemas.microsoft.com/office/drawing/2014/main" id="{2A6394F5-2440-2F43-8AC6-D0FC83FB34EB}"/>
+                </a:ext>
+              </a:extLst>
+            </p:cNvPr>
+            <p:cNvCxnSpPr>
+              <a:cxnSpLocks/>
+            </p:cNvCxnSpPr>
+            <p:nvPr/>
+          </p:nvCxnSpPr>
+          <p:spPr>
+            <a:xfrm>
+              <a:off x="5296395" y="4025735"/>
+              <a:ext cx="1472540" cy="0"/>
+            </a:xfrm>
+            <a:prstGeom prst="straightConnector1">
+              <a:avLst/>
+            </a:prstGeom>
+            <a:ln w="19050">
+              <a:solidFill>
+                <a:schemeClr val="accent1"/>
+              </a:solidFill>
+              <a:headEnd type="diamond" w="lg" len="lg"/>
+              <a:tailEnd type="arrow" w="lg" len="lg"/>
+            </a:ln>
+          </p:spPr>
+          <p:style>
+            <a:lnRef idx="1">
+              <a:schemeClr val="accent1"/>
+            </a:lnRef>
+            <a:fillRef idx="0">
+              <a:schemeClr val="accent1"/>
+            </a:fillRef>
+            <a:effectRef idx="0">
+              <a:schemeClr val="accent1"/>
+            </a:effectRef>
+            <a:fontRef idx="minor">
+              <a:schemeClr val="tx1"/>
+            </a:fontRef>
+          </p:style>
+        </p:cxnSp>
+      </p:grpSp>
+    </p:spTree>
+    <p:extLst>
+      <p:ext uri="{BB962C8B-B14F-4D97-AF65-F5344CB8AC3E}">
+        <p14:creationId xmlns:p14="http://schemas.microsoft.com/office/powerpoint/2010/main" val="4008589462"/>
       </p:ext>
     </p:extLst>
   </p:cSld>
